--- a/study/courses/iis/IIS_lec_7.pptx
+++ b/study/courses/iis/IIS_lec_7.pptx
@@ -128,7 +128,7 @@
   </p:defaultTextStyle>
   <p:extLst>
     <p:ext uri="{EFAFB233-063F-42B5-8137-9DF3F51BA10A}">
-      <p15:sldGuideLst xmlns:p15="http://schemas.microsoft.com/office/powerpoint/2012/main">
+      <p15:sldGuideLst xmlns:p15="http://schemas.microsoft.com/office/powerpoint/2012/main" xmlns="">
         <p15:guide id="1" orient="horz" pos="2160">
           <p15:clr>
             <a:srgbClr val="A4A3A4"/>
@@ -227,7 +227,7 @@
           <a:p>
             <a:fld id="{62782DC0-A7C2-4D6B-A659-1A08DD2913BE}" type="datetimeFigureOut">
               <a:rPr lang="ru-RU" smtClean="0"/>
-              <a:t>16.11.2017</a:t>
+              <a:t>02.11.2018</a:t>
             </a:fld>
             <a:endParaRPr lang="ru-RU"/>
           </a:p>
@@ -676,7 +676,7 @@
           <a:p>
             <a:fld id="{45A22731-384D-4614-90F0-A7C4445C0286}" type="datetime1">
               <a:rPr lang="ru-RU" smtClean="0"/>
-              <a:t>16.11.2017</a:t>
+              <a:t>02.11.2018</a:t>
             </a:fld>
             <a:endParaRPr lang="ru-RU"/>
           </a:p>
@@ -698,10 +698,22 @@
           <a:lstStyle/>
           <a:p>
             <a:r>
-              <a:rPr lang="ru-RU" smtClean="0"/>
-              <a:t>НИУ "МЭИ", Каф. УиИ, 2017</a:t>
-            </a:r>
-            <a:endParaRPr lang="ru-RU"/>
+              <a:rPr lang="ru-RU" dirty="0" smtClean="0"/>
+              <a:t>НИУ "МЭИ", Каф. </a:t>
+            </a:r>
+            <a:r>
+              <a:rPr lang="ru-RU" dirty="0" err="1" smtClean="0"/>
+              <a:t>УиИ</a:t>
+            </a:r>
+            <a:r>
+              <a:rPr lang="ru-RU" dirty="0" smtClean="0"/>
+              <a:t>, </a:t>
+            </a:r>
+            <a:r>
+              <a:rPr lang="ru-RU" dirty="0" smtClean="0"/>
+              <a:t>2018</a:t>
+            </a:r>
+            <a:endParaRPr lang="ru-RU" dirty="0"/>
           </a:p>
         </p:txBody>
       </p:sp>
@@ -850,7 +862,7 @@
           <a:p>
             <a:fld id="{BC521BCA-673D-4BB5-AF18-6D8B9EB75D71}" type="datetime1">
               <a:rPr lang="ru-RU" smtClean="0"/>
-              <a:t>16.11.2017</a:t>
+              <a:t>02.11.2018</a:t>
             </a:fld>
             <a:endParaRPr lang="ru-RU"/>
           </a:p>
@@ -872,10 +884,22 @@
           <a:lstStyle/>
           <a:p>
             <a:r>
-              <a:rPr lang="ru-RU" smtClean="0"/>
-              <a:t>НИУ "МЭИ", Каф. УиИ, 2017</a:t>
-            </a:r>
-            <a:endParaRPr lang="ru-RU"/>
+              <a:rPr lang="ru-RU" dirty="0" smtClean="0"/>
+              <a:t>НИУ "МЭИ", Каф. </a:t>
+            </a:r>
+            <a:r>
+              <a:rPr lang="ru-RU" dirty="0" err="1" smtClean="0"/>
+              <a:t>УиИ</a:t>
+            </a:r>
+            <a:r>
+              <a:rPr lang="ru-RU" dirty="0" smtClean="0"/>
+              <a:t>, </a:t>
+            </a:r>
+            <a:r>
+              <a:rPr lang="ru-RU" dirty="0" smtClean="0"/>
+              <a:t>2018</a:t>
+            </a:r>
+            <a:endParaRPr lang="ru-RU" dirty="0"/>
           </a:p>
         </p:txBody>
       </p:sp>
@@ -1034,7 +1058,7 @@
           <a:p>
             <a:fld id="{BBB21246-C48C-4877-B0C0-BF141933AE02}" type="datetime1">
               <a:rPr lang="ru-RU" smtClean="0"/>
-              <a:t>16.11.2017</a:t>
+              <a:t>02.11.2018</a:t>
             </a:fld>
             <a:endParaRPr lang="ru-RU"/>
           </a:p>
@@ -1056,10 +1080,22 @@
           <a:lstStyle/>
           <a:p>
             <a:r>
-              <a:rPr lang="ru-RU" smtClean="0"/>
-              <a:t>НИУ "МЭИ", Каф. УиИ, 2017</a:t>
-            </a:r>
-            <a:endParaRPr lang="ru-RU"/>
+              <a:rPr lang="ru-RU" dirty="0" smtClean="0"/>
+              <a:t>НИУ "МЭИ", Каф. </a:t>
+            </a:r>
+            <a:r>
+              <a:rPr lang="ru-RU" dirty="0" err="1" smtClean="0"/>
+              <a:t>УиИ</a:t>
+            </a:r>
+            <a:r>
+              <a:rPr lang="ru-RU" dirty="0" smtClean="0"/>
+              <a:t>, </a:t>
+            </a:r>
+            <a:r>
+              <a:rPr lang="ru-RU" dirty="0" smtClean="0"/>
+              <a:t>2018</a:t>
+            </a:r>
+            <a:endParaRPr lang="ru-RU" dirty="0"/>
           </a:p>
         </p:txBody>
       </p:sp>
@@ -1208,7 +1244,7 @@
           <a:p>
             <a:fld id="{DB623000-0F97-42E0-89EC-0A41D7954ACD}" type="datetime1">
               <a:rPr lang="ru-RU" smtClean="0"/>
-              <a:t>16.11.2017</a:t>
+              <a:t>02.11.2018</a:t>
             </a:fld>
             <a:endParaRPr lang="ru-RU"/>
           </a:p>
@@ -1230,10 +1266,22 @@
           <a:lstStyle/>
           <a:p>
             <a:r>
-              <a:rPr lang="ru-RU" smtClean="0"/>
-              <a:t>НИУ "МЭИ", Каф. УиИ, 2017</a:t>
-            </a:r>
-            <a:endParaRPr lang="ru-RU"/>
+              <a:rPr lang="ru-RU" dirty="0" smtClean="0"/>
+              <a:t>НИУ "МЭИ", Каф. </a:t>
+            </a:r>
+            <a:r>
+              <a:rPr lang="ru-RU" dirty="0" err="1" smtClean="0"/>
+              <a:t>УиИ</a:t>
+            </a:r>
+            <a:r>
+              <a:rPr lang="ru-RU" dirty="0" smtClean="0"/>
+              <a:t>, </a:t>
+            </a:r>
+            <a:r>
+              <a:rPr lang="ru-RU" dirty="0" smtClean="0"/>
+              <a:t>2018</a:t>
+            </a:r>
+            <a:endParaRPr lang="ru-RU" dirty="0"/>
           </a:p>
         </p:txBody>
       </p:sp>
@@ -1458,7 +1506,7 @@
           <a:p>
             <a:fld id="{3AF3FC51-B26A-439A-BFA1-B9817BBA6F2A}" type="datetime1">
               <a:rPr lang="ru-RU" smtClean="0"/>
-              <a:t>16.11.2017</a:t>
+              <a:t>02.11.2018</a:t>
             </a:fld>
             <a:endParaRPr lang="ru-RU"/>
           </a:p>
@@ -1480,10 +1528,22 @@
           <a:lstStyle/>
           <a:p>
             <a:r>
-              <a:rPr lang="ru-RU" smtClean="0"/>
-              <a:t>НИУ "МЭИ", Каф. УиИ, 2017</a:t>
-            </a:r>
-            <a:endParaRPr lang="ru-RU"/>
+              <a:rPr lang="ru-RU" dirty="0" smtClean="0"/>
+              <a:t>НИУ "МЭИ", Каф. </a:t>
+            </a:r>
+            <a:r>
+              <a:rPr lang="ru-RU" dirty="0" err="1" smtClean="0"/>
+              <a:t>УиИ</a:t>
+            </a:r>
+            <a:r>
+              <a:rPr lang="ru-RU" dirty="0" smtClean="0"/>
+              <a:t>, </a:t>
+            </a:r>
+            <a:r>
+              <a:rPr lang="ru-RU" dirty="0" smtClean="0"/>
+              <a:t>2018</a:t>
+            </a:r>
+            <a:endParaRPr lang="ru-RU" dirty="0"/>
           </a:p>
         </p:txBody>
       </p:sp>
@@ -1750,7 +1810,7 @@
           <a:p>
             <a:fld id="{41E2DA4E-16D4-4250-B79E-2A00049319CE}" type="datetime1">
               <a:rPr lang="ru-RU" smtClean="0"/>
-              <a:t>16.11.2017</a:t>
+              <a:t>02.11.2018</a:t>
             </a:fld>
             <a:endParaRPr lang="ru-RU"/>
           </a:p>
@@ -1772,10 +1832,22 @@
           <a:lstStyle/>
           <a:p>
             <a:r>
-              <a:rPr lang="ru-RU" smtClean="0"/>
-              <a:t>НИУ "МЭИ", Каф. УиИ, 2017</a:t>
-            </a:r>
-            <a:endParaRPr lang="ru-RU"/>
+              <a:rPr lang="ru-RU" dirty="0" smtClean="0"/>
+              <a:t>НИУ "МЭИ", Каф. </a:t>
+            </a:r>
+            <a:r>
+              <a:rPr lang="ru-RU" dirty="0" err="1" smtClean="0"/>
+              <a:t>УиИ</a:t>
+            </a:r>
+            <a:r>
+              <a:rPr lang="ru-RU" dirty="0" smtClean="0"/>
+              <a:t>, </a:t>
+            </a:r>
+            <a:r>
+              <a:rPr lang="ru-RU" dirty="0" smtClean="0"/>
+              <a:t>2018</a:t>
+            </a:r>
+            <a:endParaRPr lang="ru-RU" dirty="0"/>
           </a:p>
         </p:txBody>
       </p:sp>
@@ -2181,7 +2253,7 @@
           <a:p>
             <a:fld id="{F240F3B5-4146-468F-9A81-441332E78F98}" type="datetime1">
               <a:rPr lang="ru-RU" smtClean="0"/>
-              <a:t>16.11.2017</a:t>
+              <a:t>02.11.2018</a:t>
             </a:fld>
             <a:endParaRPr lang="ru-RU"/>
           </a:p>
@@ -2203,10 +2275,22 @@
           <a:lstStyle/>
           <a:p>
             <a:r>
-              <a:rPr lang="ru-RU" smtClean="0"/>
-              <a:t>НИУ "МЭИ", Каф. УиИ, 2017</a:t>
-            </a:r>
-            <a:endParaRPr lang="ru-RU"/>
+              <a:rPr lang="ru-RU" dirty="0" smtClean="0"/>
+              <a:t>НИУ "МЭИ", Каф. </a:t>
+            </a:r>
+            <a:r>
+              <a:rPr lang="ru-RU" dirty="0" err="1" smtClean="0"/>
+              <a:t>УиИ</a:t>
+            </a:r>
+            <a:r>
+              <a:rPr lang="ru-RU" dirty="0" smtClean="0"/>
+              <a:t>, </a:t>
+            </a:r>
+            <a:r>
+              <a:rPr lang="ru-RU" dirty="0" smtClean="0"/>
+              <a:t>2018</a:t>
+            </a:r>
+            <a:endParaRPr lang="ru-RU" dirty="0"/>
           </a:p>
         </p:txBody>
       </p:sp>
@@ -2303,7 +2387,7 @@
           <a:p>
             <a:fld id="{642765C3-C02B-4865-965E-45D54BB6B06C}" type="datetime1">
               <a:rPr lang="ru-RU" smtClean="0"/>
-              <a:t>16.11.2017</a:t>
+              <a:t>02.11.2018</a:t>
             </a:fld>
             <a:endParaRPr lang="ru-RU"/>
           </a:p>
@@ -2325,10 +2409,22 @@
           <a:lstStyle/>
           <a:p>
             <a:r>
-              <a:rPr lang="ru-RU" smtClean="0"/>
-              <a:t>НИУ "МЭИ", Каф. УиИ, 2017</a:t>
-            </a:r>
-            <a:endParaRPr lang="ru-RU"/>
+              <a:rPr lang="ru-RU" dirty="0" smtClean="0"/>
+              <a:t>НИУ "МЭИ", Каф. </a:t>
+            </a:r>
+            <a:r>
+              <a:rPr lang="ru-RU" dirty="0" err="1" smtClean="0"/>
+              <a:t>УиИ</a:t>
+            </a:r>
+            <a:r>
+              <a:rPr lang="ru-RU" dirty="0" smtClean="0"/>
+              <a:t>, </a:t>
+            </a:r>
+            <a:r>
+              <a:rPr lang="ru-RU" dirty="0" smtClean="0"/>
+              <a:t>2018</a:t>
+            </a:r>
+            <a:endParaRPr lang="ru-RU" dirty="0"/>
           </a:p>
         </p:txBody>
       </p:sp>
@@ -2402,7 +2498,7 @@
           <a:p>
             <a:fld id="{FC5E4B80-DAEE-4568-AAA6-A6422A4A9045}" type="datetime1">
               <a:rPr lang="ru-RU" smtClean="0"/>
-              <a:t>16.11.2017</a:t>
+              <a:t>02.11.2018</a:t>
             </a:fld>
             <a:endParaRPr lang="ru-RU"/>
           </a:p>
@@ -2424,10 +2520,22 @@
           <a:lstStyle/>
           <a:p>
             <a:r>
-              <a:rPr lang="ru-RU" smtClean="0"/>
-              <a:t>НИУ "МЭИ", Каф. УиИ, 2017</a:t>
-            </a:r>
-            <a:endParaRPr lang="ru-RU"/>
+              <a:rPr lang="ru-RU" dirty="0" smtClean="0"/>
+              <a:t>НИУ "МЭИ", Каф. </a:t>
+            </a:r>
+            <a:r>
+              <a:rPr lang="ru-RU" dirty="0" err="1" smtClean="0"/>
+              <a:t>УиИ</a:t>
+            </a:r>
+            <a:r>
+              <a:rPr lang="ru-RU" dirty="0" smtClean="0"/>
+              <a:t>, </a:t>
+            </a:r>
+            <a:r>
+              <a:rPr lang="ru-RU" dirty="0" smtClean="0"/>
+              <a:t>2018</a:t>
+            </a:r>
+            <a:endParaRPr lang="ru-RU" dirty="0"/>
           </a:p>
         </p:txBody>
       </p:sp>
@@ -2683,7 +2791,7 @@
           <a:p>
             <a:fld id="{3E4F9634-1035-4E09-9E99-87FB4014131B}" type="datetime1">
               <a:rPr lang="ru-RU" smtClean="0"/>
-              <a:t>16.11.2017</a:t>
+              <a:t>02.11.2018</a:t>
             </a:fld>
             <a:endParaRPr lang="ru-RU"/>
           </a:p>
@@ -2705,10 +2813,22 @@
           <a:lstStyle/>
           <a:p>
             <a:r>
-              <a:rPr lang="ru-RU" smtClean="0"/>
-              <a:t>НИУ "МЭИ", Каф. УиИ, 2017</a:t>
-            </a:r>
-            <a:endParaRPr lang="ru-RU"/>
+              <a:rPr lang="ru-RU" dirty="0" smtClean="0"/>
+              <a:t>НИУ "МЭИ", Каф. </a:t>
+            </a:r>
+            <a:r>
+              <a:rPr lang="ru-RU" dirty="0" err="1" smtClean="0"/>
+              <a:t>УиИ</a:t>
+            </a:r>
+            <a:r>
+              <a:rPr lang="ru-RU" dirty="0" smtClean="0"/>
+              <a:t>, </a:t>
+            </a:r>
+            <a:r>
+              <a:rPr lang="ru-RU" dirty="0" smtClean="0"/>
+              <a:t>2018</a:t>
+            </a:r>
+            <a:endParaRPr lang="ru-RU" dirty="0"/>
           </a:p>
         </p:txBody>
       </p:sp>
@@ -2940,7 +3060,7 @@
           <a:p>
             <a:fld id="{204C4CAA-9854-4B43-862B-95AD237E742A}" type="datetime1">
               <a:rPr lang="ru-RU" smtClean="0"/>
-              <a:t>16.11.2017</a:t>
+              <a:t>02.11.2018</a:t>
             </a:fld>
             <a:endParaRPr lang="ru-RU"/>
           </a:p>
@@ -2962,10 +3082,22 @@
           <a:lstStyle/>
           <a:p>
             <a:r>
-              <a:rPr lang="ru-RU" smtClean="0"/>
-              <a:t>НИУ "МЭИ", Каф. УиИ, 2017</a:t>
-            </a:r>
-            <a:endParaRPr lang="ru-RU"/>
+              <a:rPr lang="ru-RU" dirty="0" smtClean="0"/>
+              <a:t>НИУ "МЭИ", Каф. </a:t>
+            </a:r>
+            <a:r>
+              <a:rPr lang="ru-RU" dirty="0" err="1" smtClean="0"/>
+              <a:t>УиИ</a:t>
+            </a:r>
+            <a:r>
+              <a:rPr lang="ru-RU" dirty="0" smtClean="0"/>
+              <a:t>, </a:t>
+            </a:r>
+            <a:r>
+              <a:rPr lang="ru-RU" dirty="0" smtClean="0"/>
+              <a:t>2018</a:t>
+            </a:r>
+            <a:endParaRPr lang="ru-RU" dirty="0"/>
           </a:p>
         </p:txBody>
       </p:sp>
@@ -3157,7 +3289,7 @@
           <a:p>
             <a:fld id="{9793EB70-923A-483B-822B-0E409CB5E742}" type="datetime1">
               <a:rPr lang="ru-RU" smtClean="0"/>
-              <a:t>16.11.2017</a:t>
+              <a:t>02.11.2018</a:t>
             </a:fld>
             <a:endParaRPr lang="ru-RU"/>
           </a:p>
@@ -3197,10 +3329,22 @@
           </a:lstStyle>
           <a:p>
             <a:r>
-              <a:rPr lang="ru-RU" smtClean="0"/>
-              <a:t>НИУ "МЭИ", Каф. УиИ, 2017</a:t>
-            </a:r>
-            <a:endParaRPr lang="ru-RU"/>
+              <a:rPr lang="ru-RU" dirty="0" smtClean="0"/>
+              <a:t>НИУ "МЭИ", Каф. </a:t>
+            </a:r>
+            <a:r>
+              <a:rPr lang="ru-RU" dirty="0" err="1" smtClean="0"/>
+              <a:t>УиИ</a:t>
+            </a:r>
+            <a:r>
+              <a:rPr lang="ru-RU" dirty="0" smtClean="0"/>
+              <a:t>, </a:t>
+            </a:r>
+            <a:r>
+              <a:rPr lang="ru-RU" dirty="0" smtClean="0"/>
+              <a:t>2018</a:t>
+            </a:r>
+            <a:endParaRPr lang="ru-RU" dirty="0"/>
           </a:p>
         </p:txBody>
       </p:sp>
@@ -3616,7 +3760,15 @@
             </a:pPr>
             <a:r>
               <a:rPr lang="ru-RU" dirty="0" smtClean="0"/>
-              <a:t>Осень 2017 г.</a:t>
+              <a:t>Осень </a:t>
+            </a:r>
+            <a:r>
+              <a:rPr lang="ru-RU" dirty="0" smtClean="0"/>
+              <a:t>2018 </a:t>
+            </a:r>
+            <a:r>
+              <a:rPr lang="ru-RU" dirty="0" smtClean="0"/>
+              <a:t>г.</a:t>
             </a:r>
             <a:endParaRPr lang="ru-RU" dirty="0"/>
           </a:p>
@@ -3638,10 +3790,22 @@
           <a:lstStyle/>
           <a:p>
             <a:r>
-              <a:rPr lang="ru-RU" smtClean="0"/>
-              <a:t>НИУ "МЭИ", Каф. УиИ, 2017</a:t>
-            </a:r>
-            <a:endParaRPr lang="ru-RU"/>
+              <a:rPr lang="ru-RU" dirty="0" smtClean="0"/>
+              <a:t>НИУ "МЭИ", Каф. </a:t>
+            </a:r>
+            <a:r>
+              <a:rPr lang="ru-RU" dirty="0" err="1" smtClean="0"/>
+              <a:t>УиИ</a:t>
+            </a:r>
+            <a:r>
+              <a:rPr lang="ru-RU" dirty="0" smtClean="0"/>
+              <a:t>, </a:t>
+            </a:r>
+            <a:r>
+              <a:rPr lang="ru-RU" dirty="0" smtClean="0"/>
+              <a:t>2018</a:t>
+            </a:r>
+            <a:endParaRPr lang="ru-RU" dirty="0"/>
           </a:p>
         </p:txBody>
       </p:sp>
@@ -3785,7 +3949,11 @@
             </a:r>
             <a:r>
               <a:rPr lang="ru-RU" dirty="0" smtClean="0"/>
-              <a:t>, 2017</a:t>
+              <a:t>, </a:t>
+            </a:r>
+            <a:r>
+              <a:rPr lang="ru-RU" dirty="0" smtClean="0"/>
+              <a:t>2018</a:t>
             </a:r>
             <a:endParaRPr lang="ru-RU" dirty="0"/>
           </a:p>
@@ -4235,7 +4403,15 @@
             </a:r>
             <a:r>
               <a:rPr lang="ru-RU" dirty="0"/>
-              <a:t>в последующем окне тоже минимальное значение хэш-функции, что и в предыдущем, то данное значение не добавляется в </a:t>
+              <a:t>в последующем окне </a:t>
+            </a:r>
+            <a:r>
+              <a:rPr lang="ru-RU" dirty="0" smtClean="0"/>
+              <a:t>то же </a:t>
+            </a:r>
+            <a:r>
+              <a:rPr lang="ru-RU" dirty="0"/>
+              <a:t>минимальное значение хэш-функции, что и в предыдущем, то данное значение не добавляется в </a:t>
             </a:r>
             <a:r>
               <a:rPr lang="ru-RU" dirty="0" smtClean="0"/>
@@ -4478,7 +4654,11 @@
             </a:r>
             <a:r>
               <a:rPr lang="ru-RU" dirty="0" smtClean="0"/>
-              <a:t>, 2017</a:t>
+              <a:t>, </a:t>
+            </a:r>
+            <a:r>
+              <a:rPr lang="ru-RU" dirty="0" smtClean="0"/>
+              <a:t>2018</a:t>
             </a:r>
             <a:endParaRPr lang="ru-RU" dirty="0"/>
           </a:p>
@@ -4793,7 +4973,15 @@
             </a:r>
             <a:r>
               <a:rPr lang="ru-RU" dirty="0"/>
-              <a:t>74 42 17 98 50 17 98 8 88 67 39 77 74 </a:t>
+              <a:t>74 42 17 98 50 17 98 </a:t>
+            </a:r>
+            <a:r>
+              <a:rPr lang="ru-RU" dirty="0" smtClean="0"/>
+              <a:t>08 </a:t>
+            </a:r>
+            <a:r>
+              <a:rPr lang="ru-RU" dirty="0"/>
+              <a:t>88 67 39 77 74 </a:t>
             </a:r>
             <a:r>
               <a:rPr lang="ru-RU" dirty="0" smtClean="0"/>
@@ -4870,25 +5058,53 @@
           <a:p>
             <a:r>
               <a:rPr lang="ru-RU" dirty="0"/>
-              <a:t>(50, 17, 98, 8)</a:t>
-            </a:r>
-          </a:p>
-          <a:p>
+              <a:t>(50, 17, 98, </a:t>
+            </a:r>
+            <a:r>
+              <a:rPr lang="ru-RU" dirty="0" smtClean="0"/>
+              <a:t>08</a:t>
+            </a:r>
             <a:r>
               <a:rPr lang="ru-RU" dirty="0"/>
-              <a:t>(17, 98, 8, 88)</a:t>
+              <a:t>)</a:t>
             </a:r>
           </a:p>
           <a:p>
             <a:r>
               <a:rPr lang="ru-RU" dirty="0"/>
-              <a:t>(98, 8, 88, 67)</a:t>
-            </a:r>
-          </a:p>
-          <a:p>
+              <a:t>(17, 98, </a:t>
+            </a:r>
+            <a:r>
+              <a:rPr lang="ru-RU" dirty="0" smtClean="0"/>
+              <a:t>08</a:t>
+            </a:r>
             <a:r>
               <a:rPr lang="ru-RU" dirty="0"/>
-              <a:t>( 8, 88, 67, 39) </a:t>
+              <a:t>, 88)</a:t>
+            </a:r>
+          </a:p>
+          <a:p>
+            <a:r>
+              <a:rPr lang="ru-RU" dirty="0"/>
+              <a:t>(98, </a:t>
+            </a:r>
+            <a:r>
+              <a:rPr lang="ru-RU" dirty="0" smtClean="0"/>
+              <a:t>08</a:t>
+            </a:r>
+            <a:r>
+              <a:rPr lang="ru-RU" dirty="0"/>
+              <a:t>, 88, 67)</a:t>
+            </a:r>
+          </a:p>
+          <a:p>
+            <a:r>
+              <a:rPr lang="ru-RU" dirty="0" smtClean="0"/>
+              <a:t>(08</a:t>
+            </a:r>
+            <a:r>
+              <a:rPr lang="ru-RU" dirty="0"/>
+              <a:t>, 88, 67, 39) </a:t>
             </a:r>
           </a:p>
           <a:p>
@@ -5021,7 +5237,15 @@
           <a:p>
             <a:r>
               <a:rPr lang="ru-RU" dirty="0"/>
-              <a:t>17 8 39 </a:t>
+              <a:t>17 </a:t>
+            </a:r>
+            <a:r>
+              <a:rPr lang="ru-RU" dirty="0" smtClean="0"/>
+              <a:t>08 </a:t>
+            </a:r>
+            <a:r>
+              <a:rPr lang="ru-RU" dirty="0"/>
+              <a:t>39 </a:t>
             </a:r>
             <a:r>
               <a:rPr lang="ru-RU" dirty="0" smtClean="0"/>
@@ -5148,7 +5372,11 @@
             </a:r>
             <a:r>
               <a:rPr lang="ru-RU" dirty="0" smtClean="0"/>
-              <a:t>, 2017</a:t>
+              <a:t>, </a:t>
+            </a:r>
+            <a:r>
+              <a:rPr lang="ru-RU" dirty="0" smtClean="0"/>
+              <a:t>2018</a:t>
             </a:r>
             <a:endParaRPr lang="ru-RU" dirty="0"/>
           </a:p>
@@ -5561,32 +5789,25 @@
               <a:buAutoNum type="arabicPeriod"/>
             </a:pPr>
             <a:r>
+              <a:rPr lang="ru-RU" sz="2000" dirty="0" smtClean="0">
+                <a:latin typeface="+mj-lt"/>
+                <a:cs typeface="Times New Roman" panose="02020603050405020304" pitchFamily="18" charset="0"/>
+              </a:rPr>
+              <a:t>Проводится сравнение </a:t>
+            </a:r>
+            <a:r>
               <a:rPr lang="ru-RU" sz="2000" dirty="0">
                 <a:latin typeface="+mj-lt"/>
                 <a:cs typeface="Times New Roman" panose="02020603050405020304" pitchFamily="18" charset="0"/>
               </a:rPr>
-              <a:t>Сравнение 2-х </a:t>
+              <a:t>2-х </a:t>
             </a:r>
             <a:r>
               <a:rPr lang="ru-RU" sz="2000" dirty="0" smtClean="0">
                 <a:latin typeface="+mj-lt"/>
                 <a:cs typeface="Times New Roman" panose="02020603050405020304" pitchFamily="18" charset="0"/>
               </a:rPr>
-              <a:t>векторов, например, </a:t>
-            </a:r>
-            <a:r>
-              <a:rPr lang="ru-RU" sz="2000" dirty="0" smtClean="0">
-                <a:latin typeface="+mj-lt"/>
-                <a:cs typeface="Times New Roman" panose="02020603050405020304" pitchFamily="18" charset="0"/>
-              </a:rPr>
-              <a:t>с </a:t>
-            </a:r>
-            <a:r>
-              <a:rPr lang="ru-RU" sz="2000" dirty="0" smtClean="0">
-                <a:latin typeface="+mj-lt"/>
-                <a:cs typeface="Times New Roman" panose="02020603050405020304" pitchFamily="18" charset="0"/>
-              </a:rPr>
-              <a:t>помощью </a:t>
+              <a:t>векторов, например, с помощью </a:t>
             </a:r>
             <a:r>
               <a:rPr lang="ru-RU" sz="2000" dirty="0">
@@ -6182,7 +6403,11 @@
             </a:r>
             <a:r>
               <a:rPr lang="ru-RU" dirty="0" smtClean="0"/>
-              <a:t>, 2017</a:t>
+              <a:t>, </a:t>
+            </a:r>
+            <a:r>
+              <a:rPr lang="ru-RU" dirty="0" smtClean="0"/>
+              <a:t>2018</a:t>
             </a:r>
             <a:endParaRPr lang="ru-RU" dirty="0"/>
           </a:p>
@@ -7181,7 +7406,11 @@
             </a:r>
             <a:r>
               <a:rPr lang="ru-RU" dirty="0" smtClean="0"/>
-              <a:t>, 2017</a:t>
+              <a:t>, </a:t>
+            </a:r>
+            <a:r>
+              <a:rPr lang="ru-RU" dirty="0" smtClean="0"/>
+              <a:t>2018</a:t>
             </a:r>
             <a:endParaRPr lang="ru-RU" dirty="0"/>
           </a:p>
@@ -7532,7 +7761,7 @@
                               <a:solidFill>
                                 <a:srgbClr val="000000"/>
                               </a:solidFill>
-                              <a:latin typeface="Cambria Math" panose="02040503050406030204" pitchFamily="18" charset="0"/>
+                              <a:latin typeface="Cambria Math"/>
                               <a:ea typeface="Times New Roman" panose="02020603050405020304" pitchFamily="18" charset="0"/>
                             </a:rPr>
                           </m:ctrlPr>
@@ -7579,7 +7808,7 @@
                               <a:solidFill>
                                 <a:srgbClr val="000000"/>
                               </a:solidFill>
-                              <a:latin typeface="Cambria Math" panose="02040503050406030204" pitchFamily="18" charset="0"/>
+                              <a:latin typeface="Cambria Math"/>
                               <a:ea typeface="Times New Roman" panose="02020603050405020304" pitchFamily="18" charset="0"/>
                             </a:rPr>
                           </m:ctrlPr>
@@ -7626,7 +7855,7 @@
                               <a:solidFill>
                                 <a:srgbClr val="000000"/>
                               </a:solidFill>
-                              <a:latin typeface="Cambria Math" panose="02040503050406030204" pitchFamily="18" charset="0"/>
+                              <a:latin typeface="Cambria Math"/>
                               <a:ea typeface="Times New Roman" panose="02020603050405020304" pitchFamily="18" charset="0"/>
                             </a:rPr>
                           </m:ctrlPr>
@@ -7669,7 +7898,7 @@
                                   <a:solidFill>
                                     <a:srgbClr val="000000"/>
                                   </a:solidFill>
-                                  <a:latin typeface="Cambria Math" panose="02040503050406030204" pitchFamily="18" charset="0"/>
+                                  <a:latin typeface="Cambria Math"/>
                                   <a:ea typeface="Times New Roman" panose="02020603050405020304" pitchFamily="18" charset="0"/>
                                 </a:rPr>
                               </m:ctrlPr>
@@ -7692,7 +7921,7 @@
                                       <a:solidFill>
                                         <a:srgbClr val="000000"/>
                                       </a:solidFill>
-                                      <a:latin typeface="Cambria Math" panose="02040503050406030204" pitchFamily="18" charset="0"/>
+                                      <a:latin typeface="Cambria Math"/>
                                       <a:ea typeface="Times New Roman" panose="02020603050405020304" pitchFamily="18" charset="0"/>
                                     </a:rPr>
                                   </m:ctrlPr>
@@ -7956,7 +8185,7 @@
                               <a:solidFill>
                                 <a:srgbClr val="000000"/>
                               </a:solidFill>
-                              <a:latin typeface="Cambria Math" panose="02040503050406030204" pitchFamily="18" charset="0"/>
+                              <a:latin typeface="Cambria Math"/>
                               <a:ea typeface="Times New Roman" panose="02020603050405020304" pitchFamily="18" charset="0"/>
                             </a:rPr>
                           </m:ctrlPr>
@@ -8003,7 +8232,7 @@
                               <a:solidFill>
                                 <a:srgbClr val="000000"/>
                               </a:solidFill>
-                              <a:latin typeface="Cambria Math" panose="02040503050406030204" pitchFamily="18" charset="0"/>
+                              <a:latin typeface="Cambria Math"/>
                               <a:ea typeface="Times New Roman" panose="02020603050405020304" pitchFamily="18" charset="0"/>
                             </a:rPr>
                           </m:ctrlPr>
@@ -8040,7 +8269,7 @@
                               <a:solidFill>
                                 <a:srgbClr val="000000"/>
                               </a:solidFill>
-                              <a:latin typeface="Cambria Math" panose="02040503050406030204" pitchFamily="18" charset="0"/>
+                              <a:latin typeface="Cambria Math"/>
                               <a:ea typeface="Times New Roman" panose="02020603050405020304" pitchFamily="18" charset="0"/>
                             </a:rPr>
                           </m:ctrlPr>
@@ -8053,7 +8282,7 @@
                                   <a:solidFill>
                                     <a:srgbClr val="000000"/>
                                   </a:solidFill>
-                                  <a:latin typeface="Cambria Math" panose="02040503050406030204" pitchFamily="18" charset="0"/>
+                                  <a:latin typeface="Cambria Math"/>
                                   <a:ea typeface="Times New Roman" panose="02020603050405020304" pitchFamily="18" charset="0"/>
                                 </a:rPr>
                               </m:ctrlPr>
@@ -8078,7 +8307,7 @@
                                       <a:solidFill>
                                         <a:srgbClr val="000000"/>
                                       </a:solidFill>
-                                      <a:latin typeface="Cambria Math" panose="02040503050406030204" pitchFamily="18" charset="0"/>
+                                      <a:latin typeface="Cambria Math"/>
                                       <a:ea typeface="Times New Roman" panose="02020603050405020304" pitchFamily="18" charset="0"/>
                                     </a:rPr>
                                   </m:ctrlPr>
@@ -8127,7 +8356,7 @@
                                   <a:solidFill>
                                     <a:srgbClr val="000000"/>
                                   </a:solidFill>
-                                  <a:latin typeface="Cambria Math" panose="02040503050406030204" pitchFamily="18" charset="0"/>
+                                  <a:latin typeface="Cambria Math"/>
                                   <a:ea typeface="Times New Roman" panose="02020603050405020304" pitchFamily="18" charset="0"/>
                                 </a:rPr>
                               </m:ctrlPr>
@@ -8152,7 +8381,7 @@
                                       <a:solidFill>
                                         <a:srgbClr val="000000"/>
                                       </a:solidFill>
-                                      <a:latin typeface="Cambria Math" panose="02040503050406030204" pitchFamily="18" charset="0"/>
+                                      <a:latin typeface="Cambria Math"/>
                                       <a:ea typeface="Times New Roman" panose="02020603050405020304" pitchFamily="18" charset="0"/>
                                     </a:rPr>
                                   </m:ctrlPr>
@@ -8201,7 +8430,7 @@
                                   <a:solidFill>
                                     <a:srgbClr val="000000"/>
                                   </a:solidFill>
-                                  <a:latin typeface="Cambria Math" panose="02040503050406030204" pitchFamily="18" charset="0"/>
+                                  <a:latin typeface="Cambria Math"/>
                                   <a:ea typeface="Times New Roman" panose="02020603050405020304" pitchFamily="18" charset="0"/>
                                 </a:rPr>
                               </m:ctrlPr>
@@ -8370,7 +8599,7 @@
                         <m:ctrlPr>
                           <a:rPr lang="ru-RU" i="1">
                             <a:effectLst/>
-                            <a:latin typeface="Cambria Math" panose="02040503050406030204" pitchFamily="18" charset="0"/>
+                            <a:latin typeface="Cambria Math"/>
                           </a:rPr>
                         </m:ctrlPr>
                       </m:sSubPr>
@@ -8438,7 +8667,7 @@
                         <m:ctrlPr>
                           <a:rPr lang="ru-RU" i="1">
                             <a:effectLst/>
-                            <a:latin typeface="Cambria Math" panose="02040503050406030204" pitchFamily="18" charset="0"/>
+                            <a:latin typeface="Cambria Math"/>
                           </a:rPr>
                         </m:ctrlPr>
                       </m:sSubPr>
@@ -8539,7 +8768,7 @@
                         <m:ctrlPr>
                           <a:rPr lang="ru-RU" i="1">
                             <a:effectLst/>
-                            <a:latin typeface="Cambria Math" panose="02040503050406030204" pitchFamily="18" charset="0"/>
+                            <a:latin typeface="Cambria Math"/>
                           </a:rPr>
                         </m:ctrlPr>
                       </m:sSubPr>
@@ -8580,7 +8809,7 @@
                         <m:ctrlPr>
                           <a:rPr lang="ru-RU" i="1">
                             <a:effectLst/>
-                            <a:latin typeface="Cambria Math" panose="02040503050406030204" pitchFamily="18" charset="0"/>
+                            <a:latin typeface="Cambria Math"/>
                           </a:rPr>
                         </m:ctrlPr>
                       </m:sSubPr>
@@ -8894,7 +9123,11 @@
             </a:r>
             <a:r>
               <a:rPr lang="ru-RU" dirty="0" smtClean="0"/>
-              <a:t>, 2017</a:t>
+              <a:t>, </a:t>
+            </a:r>
+            <a:r>
+              <a:rPr lang="ru-RU" dirty="0" smtClean="0"/>
+              <a:t>2018</a:t>
             </a:r>
             <a:endParaRPr lang="ru-RU" dirty="0"/>
           </a:p>
@@ -9408,7 +9641,11 @@
             </a:r>
             <a:r>
               <a:rPr lang="ru-RU" dirty="0" smtClean="0"/>
-              <a:t>, 2017</a:t>
+              <a:t>, </a:t>
+            </a:r>
+            <a:r>
+              <a:rPr lang="ru-RU" dirty="0" smtClean="0"/>
+              <a:t>2018</a:t>
             </a:r>
             <a:endParaRPr lang="ru-RU" dirty="0"/>
           </a:p>
@@ -9927,10 +10164,6 @@
               </a:rPr>
               <a:t>.</a:t>
             </a:r>
-            <a:endParaRPr lang="ru-RU" dirty="0" smtClean="0">
-              <a:latin typeface="Times New Roman" panose="02020603050405020304" pitchFamily="18" charset="0"/>
-              <a:cs typeface="Times New Roman" panose="02020603050405020304" pitchFamily="18" charset="0"/>
-            </a:endParaRPr>
           </a:p>
         </p:txBody>
       </p:sp>
@@ -10040,7 +10273,11 @@
             </a:r>
             <a:r>
               <a:rPr lang="ru-RU" dirty="0" smtClean="0"/>
-              <a:t>, 2017</a:t>
+              <a:t>, </a:t>
+            </a:r>
+            <a:r>
+              <a:rPr lang="ru-RU" dirty="0" smtClean="0"/>
+              <a:t>2018</a:t>
             </a:r>
             <a:endParaRPr lang="ru-RU" dirty="0"/>
           </a:p>
@@ -10596,7 +10833,11 @@
             </a:r>
             <a:r>
               <a:rPr lang="ru-RU" dirty="0" smtClean="0"/>
-              <a:t>, 2017</a:t>
+              <a:t>, </a:t>
+            </a:r>
+            <a:r>
+              <a:rPr lang="ru-RU" dirty="0" smtClean="0"/>
+              <a:t>2018</a:t>
             </a:r>
             <a:endParaRPr lang="ru-RU" dirty="0"/>
           </a:p>
@@ -10944,39 +11185,7 @@
             </a:r>
             <a:r>
               <a:rPr lang="ru-RU" dirty="0"/>
-              <a:t> - </a:t>
-            </a:r>
-            <a:r>
-              <a:rPr lang="ru-RU" dirty="0"/>
-              <a:t>приводить</a:t>
-            </a:r>
-            <a:r>
-              <a:rPr lang="ru-RU" dirty="0"/>
-              <a:t>, провозглашать) - дословная выдержка из </a:t>
-            </a:r>
-            <a:r>
-              <a:rPr lang="ru-RU" dirty="0"/>
-              <a:t>какого-либо </a:t>
-            </a:r>
-            <a:r>
-              <a:rPr lang="ru-RU" dirty="0"/>
-              <a:t>текста, сочинения или </a:t>
-            </a:r>
-            <a:r>
-              <a:rPr lang="ru-RU" dirty="0"/>
-              <a:t>дословно </a:t>
-            </a:r>
-            <a:r>
-              <a:rPr lang="ru-RU" dirty="0"/>
-              <a:t>приводимые </a:t>
-            </a:r>
-            <a:r>
-              <a:rPr lang="ru-RU" dirty="0"/>
-              <a:t>чьи-либо </a:t>
-            </a:r>
-            <a:r>
-              <a:rPr lang="ru-RU" dirty="0"/>
-              <a:t>слова</a:t>
+              <a:t> - приводить, провозглашать) - дословная выдержка из какого-либо текста, сочинения или дословно приводимые чьи-либо слова</a:t>
             </a:r>
           </a:p>
         </p:txBody>
@@ -11193,7 +11402,11 @@
             </a:r>
             <a:r>
               <a:rPr lang="ru-RU" dirty="0" smtClean="0"/>
-              <a:t>, 2017</a:t>
+              <a:t>, </a:t>
+            </a:r>
+            <a:r>
+              <a:rPr lang="ru-RU" dirty="0" smtClean="0"/>
+              <a:t>2018</a:t>
             </a:r>
             <a:endParaRPr lang="ru-RU" dirty="0"/>
           </a:p>
@@ -11568,7 +11781,6 @@
               <a:rPr lang="ru-RU" sz="1400" dirty="0"/>
               <a:t>. 1, с. 59.</a:t>
             </a:r>
-            <a:endParaRPr lang="ru-RU" sz="1400" dirty="0"/>
           </a:p>
         </p:txBody>
       </p:sp>
@@ -11678,7 +11890,11 @@
             </a:r>
             <a:r>
               <a:rPr lang="ru-RU" dirty="0" smtClean="0"/>
-              <a:t>, 2017</a:t>
+              <a:t>, </a:t>
+            </a:r>
+            <a:r>
+              <a:rPr lang="ru-RU" dirty="0" smtClean="0"/>
+              <a:t>2018</a:t>
             </a:r>
             <a:endParaRPr lang="ru-RU" dirty="0"/>
           </a:p>
@@ -12201,7 +12417,11 @@
             </a:r>
             <a:r>
               <a:rPr lang="ru-RU" dirty="0" smtClean="0"/>
-              <a:t>, 2017</a:t>
+              <a:t>, </a:t>
+            </a:r>
+            <a:r>
+              <a:rPr lang="ru-RU" dirty="0" smtClean="0"/>
+              <a:t>2018</a:t>
             </a:r>
             <a:endParaRPr lang="ru-RU" dirty="0"/>
           </a:p>
@@ -12614,7 +12834,11 @@
             </a:r>
             <a:r>
               <a:rPr lang="ru-RU" dirty="0" smtClean="0"/>
-              <a:t>, 2017</a:t>
+              <a:t>, </a:t>
+            </a:r>
+            <a:r>
+              <a:rPr lang="ru-RU" dirty="0" smtClean="0"/>
+              <a:t>2018</a:t>
             </a:r>
             <a:endParaRPr lang="ru-RU" dirty="0"/>
           </a:p>
@@ -12652,7 +12876,7 @@
         <p:spPr>
           <a:xfrm>
             <a:off x="713790" y="797426"/>
-            <a:ext cx="10794469" cy="5016758"/>
+            <a:ext cx="10794469" cy="4708981"/>
           </a:xfrm>
           <a:prstGeom prst="rect">
             <a:avLst/>
@@ -12714,7 +12938,23 @@
             </a:r>
             <a:r>
               <a:rPr lang="ru-RU" sz="2000" dirty="0"/>
-              <a:t>– документы, полностью или частично идентичные друг другу. К этому типу относятся как полные аналоги, так и документы, которые являются частичным вложением другого </a:t>
+              <a:t>– документы, </a:t>
+            </a:r>
+            <a:r>
+              <a:rPr lang="ru-RU" sz="2000" dirty="0" smtClean="0"/>
+              <a:t>частично </a:t>
+            </a:r>
+            <a:r>
+              <a:rPr lang="ru-RU" sz="2000" dirty="0"/>
+              <a:t>идентичные друг другу. К этому типу относятся </a:t>
+            </a:r>
+            <a:r>
+              <a:rPr lang="ru-RU" sz="2000" dirty="0" smtClean="0"/>
+              <a:t>документы</a:t>
+            </a:r>
+            <a:r>
+              <a:rPr lang="ru-RU" sz="2000" dirty="0"/>
+              <a:t>, которые являются частичным вложением другого </a:t>
             </a:r>
             <a:r>
               <a:rPr lang="ru-RU" sz="2000" dirty="0" smtClean="0"/>
@@ -13171,7 +13411,11 @@
             </a:r>
             <a:r>
               <a:rPr lang="ru-RU" dirty="0" smtClean="0"/>
-              <a:t>, 2017</a:t>
+              <a:t>, </a:t>
+            </a:r>
+            <a:r>
+              <a:rPr lang="ru-RU" dirty="0" smtClean="0"/>
+              <a:t>2018</a:t>
             </a:r>
             <a:endParaRPr lang="ru-RU" dirty="0"/>
           </a:p>
@@ -13695,7 +13939,11 @@
             </a:r>
             <a:r>
               <a:rPr lang="ru-RU" dirty="0" smtClean="0"/>
-              <a:t>, 2017</a:t>
+              <a:t>, </a:t>
+            </a:r>
+            <a:r>
+              <a:rPr lang="ru-RU" dirty="0" smtClean="0"/>
+              <a:t>2018</a:t>
             </a:r>
             <a:endParaRPr lang="ru-RU" dirty="0"/>
           </a:p>
@@ -14526,7 +14774,11 @@
             </a:r>
             <a:r>
               <a:rPr lang="ru-RU" dirty="0" smtClean="0"/>
-              <a:t>, 2017</a:t>
+              <a:t>, </a:t>
+            </a:r>
+            <a:r>
+              <a:rPr lang="ru-RU" dirty="0" smtClean="0"/>
+              <a:t>2018</a:t>
             </a:r>
             <a:endParaRPr lang="ru-RU" dirty="0"/>
           </a:p>
@@ -14829,7 +15081,7 @@
           <a:graphicData uri="http://schemas.openxmlformats.org/presentationml/2006/ole">
             <mc:AlternateContent xmlns:mc="http://schemas.openxmlformats.org/markup-compatibility/2006">
               <mc:Choice xmlns:v="urn:schemas-microsoft-com:vml" Requires="v">
-                <p:oleObj spid="_x0000_s60437" name="Уравнение" r:id="rId3" imgW="901440" imgH="393480" progId="Equation.3">
+                <p:oleObj spid="_x0000_s60440" name="Уравнение" r:id="rId3" imgW="901440" imgH="393480" progId="Equation.3">
                   <p:embed/>
                 </p:oleObj>
               </mc:Choice>
@@ -15163,7 +15415,11 @@
             </a:r>
             <a:r>
               <a:rPr lang="ru-RU" dirty="0" smtClean="0"/>
-              <a:t>, 2017</a:t>
+              <a:t>, </a:t>
+            </a:r>
+            <a:r>
+              <a:rPr lang="ru-RU" dirty="0" smtClean="0"/>
+              <a:t>2018</a:t>
             </a:r>
             <a:endParaRPr lang="ru-RU" dirty="0"/>
           </a:p>
@@ -15565,27 +15821,17 @@
                 <a:latin typeface="Times New Roman" panose="02020603050405020304" pitchFamily="18" charset="0"/>
                 <a:ea typeface="Times New Roman" panose="02020603050405020304" pitchFamily="18" charset="0"/>
               </a:rPr>
-              <a:t>(</a:t>
-            </a:r>
-            <a:r>
-              <a:rPr lang="ru-RU" dirty="0" err="1" smtClean="0">
+              <a:t>для </a:t>
+            </a:r>
+            <a:r>
+              <a:rPr lang="ru-RU" dirty="0">
                 <a:solidFill>
                   <a:srgbClr val="000000"/>
                 </a:solidFill>
                 <a:latin typeface="Times New Roman" panose="02020603050405020304" pitchFamily="18" charset="0"/>
                 <a:ea typeface="Times New Roman" panose="02020603050405020304" pitchFamily="18" charset="0"/>
               </a:rPr>
-              <a:t>шинглов</a:t>
-            </a:r>
-            <a:r>
-              <a:rPr lang="ru-RU" dirty="0">
-                <a:solidFill>
-                  <a:srgbClr val="000000"/>
-                </a:solidFill>
-                <a:latin typeface="Times New Roman" panose="02020603050405020304" pitchFamily="18" charset="0"/>
-                <a:ea typeface="Times New Roman" panose="02020603050405020304" pitchFamily="18" charset="0"/>
-              </a:rPr>
-              <a:t>) для каждой последовательности слов в тексте </a:t>
+              <a:t>каждой последовательности слов в тексте </a:t>
             </a:r>
             <a:endParaRPr lang="ru-RU" dirty="0"/>
           </a:p>
@@ -15600,7 +15846,7 @@
         <p:spPr>
           <a:xfrm>
             <a:off x="691976" y="1952368"/>
-            <a:ext cx="10890423" cy="3693319"/>
+            <a:ext cx="10890423" cy="3416320"/>
           </a:xfrm>
           <a:prstGeom prst="rect">
             <a:avLst/>
@@ -15618,34 +15864,14 @@
               </a:spcAft>
             </a:pPr>
             <a:r>
-              <a:rPr lang="ru-RU" dirty="0">
+              <a:rPr lang="ru-RU" dirty="0" smtClean="0">
                 <a:solidFill>
                   <a:srgbClr val="000000"/>
                 </a:solidFill>
                 <a:latin typeface="Times New Roman" panose="02020603050405020304" pitchFamily="18" charset="0"/>
                 <a:ea typeface="Times New Roman" panose="02020603050405020304" pitchFamily="18" charset="0"/>
               </a:rPr>
-              <a:t>Последовательности имеют фиксированную длину, которая может настраиваться в зависимости от длины документа. Таким образом, получается набор чисел (</a:t>
-            </a:r>
-            <a:r>
-              <a:rPr lang="ru-RU" dirty="0" err="1">
-                <a:solidFill>
-                  <a:srgbClr val="000000"/>
-                </a:solidFill>
-                <a:latin typeface="Times New Roman" panose="02020603050405020304" pitchFamily="18" charset="0"/>
-                <a:ea typeface="Times New Roman" panose="02020603050405020304" pitchFamily="18" charset="0"/>
-              </a:rPr>
-              <a:t>шинглов</a:t>
-            </a:r>
-            <a:r>
-              <a:rPr lang="ru-RU" dirty="0">
-                <a:solidFill>
-                  <a:srgbClr val="000000"/>
-                </a:solidFill>
-                <a:latin typeface="Times New Roman" panose="02020603050405020304" pitchFamily="18" charset="0"/>
-                <a:ea typeface="Times New Roman" panose="02020603050405020304" pitchFamily="18" charset="0"/>
-              </a:rPr>
-              <a:t>) характеризующих документ. </a:t>
+              <a:t> </a:t>
             </a:r>
             <a:endParaRPr lang="ru-RU" sz="1100" dirty="0">
               <a:latin typeface="Times New Roman" panose="02020603050405020304" pitchFamily="18" charset="0"/>
@@ -16201,7 +16427,11 @@
             </a:r>
             <a:r>
               <a:rPr lang="ru-RU" dirty="0" smtClean="0"/>
-              <a:t>, 2017</a:t>
+              <a:t>, </a:t>
+            </a:r>
+            <a:r>
+              <a:rPr lang="ru-RU" dirty="0" smtClean="0"/>
+              <a:t>2018</a:t>
             </a:r>
             <a:endParaRPr lang="ru-RU" dirty="0"/>
           </a:p>
@@ -16936,7 +17166,11 @@
             </a:r>
             <a:r>
               <a:rPr lang="ru-RU" dirty="0" smtClean="0"/>
-              <a:t>, 2017</a:t>
+              <a:t>, </a:t>
+            </a:r>
+            <a:r>
+              <a:rPr lang="ru-RU" dirty="0" smtClean="0"/>
+              <a:t>2018</a:t>
             </a:r>
             <a:endParaRPr lang="ru-RU" dirty="0"/>
           </a:p>
@@ -17342,7 +17576,11 @@
             </a:r>
             <a:r>
               <a:rPr lang="ru-RU" dirty="0" smtClean="0"/>
-              <a:t> случайным образом </a:t>
+              <a:t> случайным </a:t>
+            </a:r>
+            <a:r>
+              <a:rPr lang="ru-RU" dirty="0" smtClean="0"/>
+              <a:t>образом (плохо) </a:t>
             </a:r>
             <a:endParaRPr lang="en-US" dirty="0" smtClean="0"/>
           </a:p>
@@ -17402,7 +17640,6 @@
               <a:rPr lang="ru-RU" dirty="0" smtClean="0"/>
               <a:t>.</a:t>
             </a:r>
-            <a:endParaRPr lang="ru-RU" dirty="0" smtClean="0"/>
           </a:p>
           <a:p>
             <a:pPr algn="just"/>

--- a/study/courses/iis/IIS_lec_7.pptx
+++ b/study/courses/iis/IIS_lec_7.pptx
@@ -128,7 +128,7 @@
   </p:defaultTextStyle>
   <p:extLst>
     <p:ext uri="{EFAFB233-063F-42B5-8137-9DF3F51BA10A}">
-      <p15:sldGuideLst xmlns:p15="http://schemas.microsoft.com/office/powerpoint/2012/main" xmlns="">
+      <p15:sldGuideLst xmlns="" xmlns:p15="http://schemas.microsoft.com/office/powerpoint/2012/main">
         <p15:guide id="1" orient="horz" pos="2160">
           <p15:clr>
             <a:srgbClr val="A4A3A4"/>
@@ -707,11 +707,7 @@
             </a:r>
             <a:r>
               <a:rPr lang="ru-RU" dirty="0" smtClean="0"/>
-              <a:t>, </a:t>
-            </a:r>
-            <a:r>
-              <a:rPr lang="ru-RU" dirty="0" smtClean="0"/>
-              <a:t>2018</a:t>
+              <a:t>, 2018</a:t>
             </a:r>
             <a:endParaRPr lang="ru-RU" dirty="0"/>
           </a:p>
@@ -893,11 +889,7 @@
             </a:r>
             <a:r>
               <a:rPr lang="ru-RU" dirty="0" smtClean="0"/>
-              <a:t>, </a:t>
-            </a:r>
-            <a:r>
-              <a:rPr lang="ru-RU" dirty="0" smtClean="0"/>
-              <a:t>2018</a:t>
+              <a:t>, 2018</a:t>
             </a:r>
             <a:endParaRPr lang="ru-RU" dirty="0"/>
           </a:p>
@@ -1089,11 +1081,7 @@
             </a:r>
             <a:r>
               <a:rPr lang="ru-RU" dirty="0" smtClean="0"/>
-              <a:t>, </a:t>
-            </a:r>
-            <a:r>
-              <a:rPr lang="ru-RU" dirty="0" smtClean="0"/>
-              <a:t>2018</a:t>
+              <a:t>, 2018</a:t>
             </a:r>
             <a:endParaRPr lang="ru-RU" dirty="0"/>
           </a:p>
@@ -1275,11 +1263,7 @@
             </a:r>
             <a:r>
               <a:rPr lang="ru-RU" dirty="0" smtClean="0"/>
-              <a:t>, </a:t>
-            </a:r>
-            <a:r>
-              <a:rPr lang="ru-RU" dirty="0" smtClean="0"/>
-              <a:t>2018</a:t>
+              <a:t>, 2018</a:t>
             </a:r>
             <a:endParaRPr lang="ru-RU" dirty="0"/>
           </a:p>
@@ -1537,11 +1521,7 @@
             </a:r>
             <a:r>
               <a:rPr lang="ru-RU" dirty="0" smtClean="0"/>
-              <a:t>, </a:t>
-            </a:r>
-            <a:r>
-              <a:rPr lang="ru-RU" dirty="0" smtClean="0"/>
-              <a:t>2018</a:t>
+              <a:t>, 2018</a:t>
             </a:r>
             <a:endParaRPr lang="ru-RU" dirty="0"/>
           </a:p>
@@ -1841,11 +1821,7 @@
             </a:r>
             <a:r>
               <a:rPr lang="ru-RU" dirty="0" smtClean="0"/>
-              <a:t>, </a:t>
-            </a:r>
-            <a:r>
-              <a:rPr lang="ru-RU" dirty="0" smtClean="0"/>
-              <a:t>2018</a:t>
+              <a:t>, 2018</a:t>
             </a:r>
             <a:endParaRPr lang="ru-RU" dirty="0"/>
           </a:p>
@@ -2284,11 +2260,7 @@
             </a:r>
             <a:r>
               <a:rPr lang="ru-RU" dirty="0" smtClean="0"/>
-              <a:t>, </a:t>
-            </a:r>
-            <a:r>
-              <a:rPr lang="ru-RU" dirty="0" smtClean="0"/>
-              <a:t>2018</a:t>
+              <a:t>, 2018</a:t>
             </a:r>
             <a:endParaRPr lang="ru-RU" dirty="0"/>
           </a:p>
@@ -2418,11 +2390,7 @@
             </a:r>
             <a:r>
               <a:rPr lang="ru-RU" dirty="0" smtClean="0"/>
-              <a:t>, </a:t>
-            </a:r>
-            <a:r>
-              <a:rPr lang="ru-RU" dirty="0" smtClean="0"/>
-              <a:t>2018</a:t>
+              <a:t>, 2018</a:t>
             </a:r>
             <a:endParaRPr lang="ru-RU" dirty="0"/>
           </a:p>
@@ -2529,11 +2497,7 @@
             </a:r>
             <a:r>
               <a:rPr lang="ru-RU" dirty="0" smtClean="0"/>
-              <a:t>, </a:t>
-            </a:r>
-            <a:r>
-              <a:rPr lang="ru-RU" dirty="0" smtClean="0"/>
-              <a:t>2018</a:t>
+              <a:t>, 2018</a:t>
             </a:r>
             <a:endParaRPr lang="ru-RU" dirty="0"/>
           </a:p>
@@ -2822,11 +2786,7 @@
             </a:r>
             <a:r>
               <a:rPr lang="ru-RU" dirty="0" smtClean="0"/>
-              <a:t>, </a:t>
-            </a:r>
-            <a:r>
-              <a:rPr lang="ru-RU" dirty="0" smtClean="0"/>
-              <a:t>2018</a:t>
+              <a:t>, 2018</a:t>
             </a:r>
             <a:endParaRPr lang="ru-RU" dirty="0"/>
           </a:p>
@@ -3091,11 +3051,7 @@
             </a:r>
             <a:r>
               <a:rPr lang="ru-RU" dirty="0" smtClean="0"/>
-              <a:t>, </a:t>
-            </a:r>
-            <a:r>
-              <a:rPr lang="ru-RU" dirty="0" smtClean="0"/>
-              <a:t>2018</a:t>
+              <a:t>, 2018</a:t>
             </a:r>
             <a:endParaRPr lang="ru-RU" dirty="0"/>
           </a:p>
@@ -3338,11 +3294,7 @@
             </a:r>
             <a:r>
               <a:rPr lang="ru-RU" dirty="0" smtClean="0"/>
-              <a:t>, </a:t>
-            </a:r>
-            <a:r>
-              <a:rPr lang="ru-RU" dirty="0" smtClean="0"/>
-              <a:t>2018</a:t>
+              <a:t>, 2018</a:t>
             </a:r>
             <a:endParaRPr lang="ru-RU" dirty="0"/>
           </a:p>
@@ -3760,15 +3712,7 @@
             </a:pPr>
             <a:r>
               <a:rPr lang="ru-RU" dirty="0" smtClean="0"/>
-              <a:t>Осень </a:t>
-            </a:r>
-            <a:r>
-              <a:rPr lang="ru-RU" dirty="0" smtClean="0"/>
-              <a:t>2018 </a:t>
-            </a:r>
-            <a:r>
-              <a:rPr lang="ru-RU" dirty="0" smtClean="0"/>
-              <a:t>г.</a:t>
+              <a:t>Осень 2018 г.</a:t>
             </a:r>
             <a:endParaRPr lang="ru-RU" dirty="0"/>
           </a:p>
@@ -3799,11 +3743,7 @@
             </a:r>
             <a:r>
               <a:rPr lang="ru-RU" dirty="0" smtClean="0"/>
-              <a:t>, </a:t>
-            </a:r>
-            <a:r>
-              <a:rPr lang="ru-RU" dirty="0" smtClean="0"/>
-              <a:t>2018</a:t>
+              <a:t>, 2018</a:t>
             </a:r>
             <a:endParaRPr lang="ru-RU" dirty="0"/>
           </a:p>
@@ -3949,11 +3889,7 @@
             </a:r>
             <a:r>
               <a:rPr lang="ru-RU" dirty="0" smtClean="0"/>
-              <a:t>, </a:t>
-            </a:r>
-            <a:r>
-              <a:rPr lang="ru-RU" dirty="0" smtClean="0"/>
-              <a:t>2018</a:t>
+              <a:t>, 2018</a:t>
             </a:r>
             <a:endParaRPr lang="ru-RU" dirty="0"/>
           </a:p>
@@ -4654,11 +4590,7 @@
             </a:r>
             <a:r>
               <a:rPr lang="ru-RU" dirty="0" smtClean="0"/>
-              <a:t>, </a:t>
-            </a:r>
-            <a:r>
-              <a:rPr lang="ru-RU" dirty="0" smtClean="0"/>
-              <a:t>2018</a:t>
+              <a:t>, 2018</a:t>
             </a:r>
             <a:endParaRPr lang="ru-RU" dirty="0"/>
           </a:p>
@@ -5372,11 +5304,7 @@
             </a:r>
             <a:r>
               <a:rPr lang="ru-RU" dirty="0" smtClean="0"/>
-              <a:t>, </a:t>
-            </a:r>
-            <a:r>
-              <a:rPr lang="ru-RU" dirty="0" smtClean="0"/>
-              <a:t>2018</a:t>
+              <a:t>, 2018</a:t>
             </a:r>
             <a:endParaRPr lang="ru-RU" dirty="0"/>
           </a:p>
@@ -6403,11 +6331,7 @@
             </a:r>
             <a:r>
               <a:rPr lang="ru-RU" dirty="0" smtClean="0"/>
-              <a:t>, </a:t>
-            </a:r>
-            <a:r>
-              <a:rPr lang="ru-RU" dirty="0" smtClean="0"/>
-              <a:t>2018</a:t>
+              <a:t>, 2018</a:t>
             </a:r>
             <a:endParaRPr lang="ru-RU" dirty="0"/>
           </a:p>
@@ -7406,11 +7330,7 @@
             </a:r>
             <a:r>
               <a:rPr lang="ru-RU" dirty="0" smtClean="0"/>
-              <a:t>, </a:t>
-            </a:r>
-            <a:r>
-              <a:rPr lang="ru-RU" dirty="0" smtClean="0"/>
-              <a:t>2018</a:t>
+              <a:t>, 2018</a:t>
             </a:r>
             <a:endParaRPr lang="ru-RU" dirty="0"/>
           </a:p>
@@ -9123,11 +9043,7 @@
             </a:r>
             <a:r>
               <a:rPr lang="ru-RU" dirty="0" smtClean="0"/>
-              <a:t>, </a:t>
-            </a:r>
-            <a:r>
-              <a:rPr lang="ru-RU" dirty="0" smtClean="0"/>
-              <a:t>2018</a:t>
+              <a:t>, 2018</a:t>
             </a:r>
             <a:endParaRPr lang="ru-RU" dirty="0"/>
           </a:p>
@@ -9641,11 +9557,7 @@
             </a:r>
             <a:r>
               <a:rPr lang="ru-RU" dirty="0" smtClean="0"/>
-              <a:t>, </a:t>
-            </a:r>
-            <a:r>
-              <a:rPr lang="ru-RU" dirty="0" smtClean="0"/>
-              <a:t>2018</a:t>
+              <a:t>, 2018</a:t>
             </a:r>
             <a:endParaRPr lang="ru-RU" dirty="0"/>
           </a:p>
@@ -10273,11 +10185,7 @@
             </a:r>
             <a:r>
               <a:rPr lang="ru-RU" dirty="0" smtClean="0"/>
-              <a:t>, </a:t>
-            </a:r>
-            <a:r>
-              <a:rPr lang="ru-RU" dirty="0" smtClean="0"/>
-              <a:t>2018</a:t>
+              <a:t>, 2018</a:t>
             </a:r>
             <a:endParaRPr lang="ru-RU" dirty="0"/>
           </a:p>
@@ -10833,11 +10741,7 @@
             </a:r>
             <a:r>
               <a:rPr lang="ru-RU" dirty="0" smtClean="0"/>
-              <a:t>, </a:t>
-            </a:r>
-            <a:r>
-              <a:rPr lang="ru-RU" dirty="0" smtClean="0"/>
-              <a:t>2018</a:t>
+              <a:t>, 2018</a:t>
             </a:r>
             <a:endParaRPr lang="ru-RU" dirty="0"/>
           </a:p>
@@ -11402,11 +11306,7 @@
             </a:r>
             <a:r>
               <a:rPr lang="ru-RU" dirty="0" smtClean="0"/>
-              <a:t>, </a:t>
-            </a:r>
-            <a:r>
-              <a:rPr lang="ru-RU" dirty="0" smtClean="0"/>
-              <a:t>2018</a:t>
+              <a:t>, 2018</a:t>
             </a:r>
             <a:endParaRPr lang="ru-RU" dirty="0"/>
           </a:p>
@@ -11890,11 +11790,7 @@
             </a:r>
             <a:r>
               <a:rPr lang="ru-RU" dirty="0" smtClean="0"/>
-              <a:t>, </a:t>
-            </a:r>
-            <a:r>
-              <a:rPr lang="ru-RU" dirty="0" smtClean="0"/>
-              <a:t>2018</a:t>
+              <a:t>, 2018</a:t>
             </a:r>
             <a:endParaRPr lang="ru-RU" dirty="0"/>
           </a:p>
@@ -12417,11 +12313,7 @@
             </a:r>
             <a:r>
               <a:rPr lang="ru-RU" dirty="0" smtClean="0"/>
-              <a:t>, </a:t>
-            </a:r>
-            <a:r>
-              <a:rPr lang="ru-RU" dirty="0" smtClean="0"/>
-              <a:t>2018</a:t>
+              <a:t>, 2018</a:t>
             </a:r>
             <a:endParaRPr lang="ru-RU" dirty="0"/>
           </a:p>
@@ -12717,7 +12609,7 @@
         </p:blipFill>
         <p:spPr>
           <a:xfrm>
-            <a:off x="641647" y="874563"/>
+            <a:off x="2141263" y="874562"/>
             <a:ext cx="10518938" cy="4260169"/>
           </a:xfrm>
           <a:prstGeom prst="rect">
@@ -12834,11 +12726,7 @@
             </a:r>
             <a:r>
               <a:rPr lang="ru-RU" dirty="0" smtClean="0"/>
-              <a:t>, </a:t>
-            </a:r>
-            <a:r>
-              <a:rPr lang="ru-RU" dirty="0" smtClean="0"/>
-              <a:t>2018</a:t>
+              <a:t>, 2018</a:t>
             </a:r>
             <a:endParaRPr lang="ru-RU" dirty="0"/>
           </a:p>
@@ -13411,11 +13299,7 @@
             </a:r>
             <a:r>
               <a:rPr lang="ru-RU" dirty="0" smtClean="0"/>
-              <a:t>, </a:t>
-            </a:r>
-            <a:r>
-              <a:rPr lang="ru-RU" dirty="0" smtClean="0"/>
-              <a:t>2018</a:t>
+              <a:t>, 2018</a:t>
             </a:r>
             <a:endParaRPr lang="ru-RU" dirty="0"/>
           </a:p>
@@ -13939,11 +13823,7 @@
             </a:r>
             <a:r>
               <a:rPr lang="ru-RU" dirty="0" smtClean="0"/>
-              <a:t>, </a:t>
-            </a:r>
-            <a:r>
-              <a:rPr lang="ru-RU" dirty="0" smtClean="0"/>
-              <a:t>2018</a:t>
+              <a:t>, 2018</a:t>
             </a:r>
             <a:endParaRPr lang="ru-RU" dirty="0"/>
           </a:p>
@@ -14774,11 +14654,7 @@
             </a:r>
             <a:r>
               <a:rPr lang="ru-RU" dirty="0" smtClean="0"/>
-              <a:t>, </a:t>
-            </a:r>
-            <a:r>
-              <a:rPr lang="ru-RU" dirty="0" smtClean="0"/>
-              <a:t>2018</a:t>
+              <a:t>, 2018</a:t>
             </a:r>
             <a:endParaRPr lang="ru-RU" dirty="0"/>
           </a:p>
@@ -15081,7 +14957,7 @@
           <a:graphicData uri="http://schemas.openxmlformats.org/presentationml/2006/ole">
             <mc:AlternateContent xmlns:mc="http://schemas.openxmlformats.org/markup-compatibility/2006">
               <mc:Choice xmlns:v="urn:schemas-microsoft-com:vml" Requires="v">
-                <p:oleObj spid="_x0000_s60440" name="Уравнение" r:id="rId3" imgW="901440" imgH="393480" progId="Equation.3">
+                <p:oleObj spid="_x0000_s60441" name="Уравнение" r:id="rId3" imgW="901440" imgH="393480" progId="Equation.3">
                   <p:embed/>
                 </p:oleObj>
               </mc:Choice>
@@ -15415,11 +15291,7 @@
             </a:r>
             <a:r>
               <a:rPr lang="ru-RU" dirty="0" smtClean="0"/>
-              <a:t>, </a:t>
-            </a:r>
-            <a:r>
-              <a:rPr lang="ru-RU" dirty="0" smtClean="0"/>
-              <a:t>2018</a:t>
+              <a:t>, 2018</a:t>
             </a:r>
             <a:endParaRPr lang="ru-RU" dirty="0"/>
           </a:p>
@@ -16427,11 +16299,7 @@
             </a:r>
             <a:r>
               <a:rPr lang="ru-RU" dirty="0" smtClean="0"/>
-              <a:t>, </a:t>
-            </a:r>
-            <a:r>
-              <a:rPr lang="ru-RU" dirty="0" smtClean="0"/>
-              <a:t>2018</a:t>
+              <a:t>, 2018</a:t>
             </a:r>
             <a:endParaRPr lang="ru-RU" dirty="0"/>
           </a:p>
@@ -17166,11 +17034,7 @@
             </a:r>
             <a:r>
               <a:rPr lang="ru-RU" dirty="0" smtClean="0"/>
-              <a:t>, </a:t>
-            </a:r>
-            <a:r>
-              <a:rPr lang="ru-RU" dirty="0" smtClean="0"/>
-              <a:t>2018</a:t>
+              <a:t>, 2018</a:t>
             </a:r>
             <a:endParaRPr lang="ru-RU" dirty="0"/>
           </a:p>
@@ -17576,11 +17440,7 @@
             </a:r>
             <a:r>
               <a:rPr lang="ru-RU" dirty="0" smtClean="0"/>
-              <a:t> случайным </a:t>
-            </a:r>
-            <a:r>
-              <a:rPr lang="ru-RU" dirty="0" smtClean="0"/>
-              <a:t>образом (плохо) </a:t>
+              <a:t> случайным образом (плохо) </a:t>
             </a:r>
             <a:endParaRPr lang="en-US" dirty="0" smtClean="0"/>
           </a:p>
